--- a/analise_case_crm.pptx
+++ b/analise_case_crm.pptx
@@ -5,7 +5,7 @@
     <p:sldMasterId id="2147483679" r:id="rId1"/>
   </p:sldMasterIdLst>
   <p:notesMasterIdLst>
-    <p:notesMasterId r:id="rId9"/>
+    <p:notesMasterId r:id="rId10"/>
   </p:notesMasterIdLst>
   <p:sldIdLst>
     <p:sldId id="256" r:id="rId2"/>
@@ -15,31 +15,25 @@
     <p:sldId id="265" r:id="rId6"/>
     <p:sldId id="274" r:id="rId7"/>
     <p:sldId id="282" r:id="rId8"/>
+    <p:sldId id="283" r:id="rId9"/>
   </p:sldIdLst>
   <p:sldSz cx="9144000" cy="5143500" type="screen16x9"/>
   <p:notesSz cx="6858000" cy="9144000"/>
   <p:embeddedFontLst>
     <p:embeddedFont>
-      <p:font typeface="Albert Sans" panose="020B0604020202020204" charset="0"/>
-      <p:regular r:id="rId10"/>
-      <p:bold r:id="rId11"/>
-      <p:italic r:id="rId12"/>
-      <p:boldItalic r:id="rId13"/>
+      <p:font typeface="Albert Sans" pitchFamily="2" charset="77"/>
+      <p:regular r:id="rId11"/>
+      <p:bold r:id="rId12"/>
+      <p:italic r:id="rId13"/>
+      <p:boldItalic r:id="rId14"/>
     </p:embeddedFont>
     <p:embeddedFont>
-      <p:font typeface="Bebas Neue" panose="020B0606020202050201" pitchFamily="34" charset="0"/>
-      <p:regular r:id="rId14"/>
+      <p:font typeface="Bebas Neue" panose="020B0606020202050201" pitchFamily="34" charset="77"/>
+      <p:regular r:id="rId15"/>
     </p:embeddedFont>
     <p:embeddedFont>
-      <p:font typeface="Calibri" panose="020F0502020204030204" pitchFamily="34" charset="0"/>
-      <p:regular r:id="rId15"/>
-      <p:bold r:id="rId16"/>
-      <p:italic r:id="rId17"/>
-      <p:boldItalic r:id="rId18"/>
-    </p:embeddedFont>
-    <p:embeddedFont>
-      <p:font typeface="Marcellus" panose="020B0604020202020204" charset="0"/>
-      <p:regular r:id="rId19"/>
+      <p:font typeface="Marcellus" panose="020E0602050203020307" pitchFamily="34" charset="0"/>
+      <p:regular r:id="rId16"/>
     </p:embeddedFont>
   </p:embeddedFontLst>
   <p:defaultTextStyle>
@@ -1452,6 +1446,115 @@
         </p:txBody>
       </p:sp>
     </p:spTree>
+  </p:cSld>
+  <p:clrMapOvr>
+    <a:masterClrMapping/>
+  </p:clrMapOvr>
+</p:notes>
+</file>
+
+<file path=ppt/notesSlides/notesSlide8.xml><?xml version="1.0" encoding="utf-8"?>
+<p:notes xmlns:a="http://schemas.openxmlformats.org/drawingml/2006/main" xmlns:r="http://schemas.openxmlformats.org/officeDocument/2006/relationships" xmlns:p="http://schemas.openxmlformats.org/presentationml/2006/main" showMasterSp="0" showMasterPhAnim="0">
+  <p:cSld>
+    <p:spTree>
+      <p:nvGrpSpPr>
+        <p:cNvPr id="1" name="Shape 371"/>
+        <p:cNvGrpSpPr/>
+        <p:nvPr/>
+      </p:nvGrpSpPr>
+      <p:grpSpPr>
+        <a:xfrm>
+          <a:off x="0" y="0"/>
+          <a:ext cx="0" cy="0"/>
+          <a:chOff x="0" y="0"/>
+          <a:chExt cx="0" cy="0"/>
+        </a:xfrm>
+      </p:grpSpPr>
+      <p:sp>
+        <p:nvSpPr>
+          <p:cNvPr id="372" name="Google Shape;372;gd5260bdd85_0_256:notes"/>
+          <p:cNvSpPr>
+            <a:spLocks noGrp="1" noRot="1" noChangeAspect="1"/>
+          </p:cNvSpPr>
+          <p:nvPr>
+            <p:ph type="sldImg" idx="2"/>
+          </p:nvPr>
+        </p:nvSpPr>
+        <p:spPr>
+          <a:xfrm>
+            <a:off x="381000" y="685800"/>
+            <a:ext cx="6096000" cy="3429000"/>
+          </a:xfrm>
+          <a:custGeom>
+            <a:avLst/>
+            <a:gdLst/>
+            <a:ahLst/>
+            <a:cxnLst/>
+            <a:rect l="l" t="t" r="r" b="b"/>
+            <a:pathLst>
+              <a:path w="120000" h="120000" extrusionOk="0">
+                <a:moveTo>
+                  <a:pt x="0" y="0"/>
+                </a:moveTo>
+                <a:lnTo>
+                  <a:pt x="120000" y="0"/>
+                </a:lnTo>
+                <a:lnTo>
+                  <a:pt x="120000" y="120000"/>
+                </a:lnTo>
+                <a:lnTo>
+                  <a:pt x="0" y="120000"/>
+                </a:lnTo>
+                <a:close/>
+              </a:path>
+            </a:pathLst>
+          </a:custGeom>
+        </p:spPr>
+      </p:sp>
+      <p:sp>
+        <p:nvSpPr>
+          <p:cNvPr id="373" name="Google Shape;373;gd5260bdd85_0_256:notes"/>
+          <p:cNvSpPr txBox="1">
+            <a:spLocks noGrp="1"/>
+          </p:cNvSpPr>
+          <p:nvPr>
+            <p:ph type="body" idx="1"/>
+          </p:nvPr>
+        </p:nvSpPr>
+        <p:spPr>
+          <a:xfrm>
+            <a:off x="685800" y="4343400"/>
+            <a:ext cx="5486400" cy="4114800"/>
+          </a:xfrm>
+          <a:prstGeom prst="rect">
+            <a:avLst/>
+          </a:prstGeom>
+        </p:spPr>
+        <p:txBody>
+          <a:bodyPr spcFirstLastPara="1" wrap="square" lIns="91425" tIns="91425" rIns="91425" bIns="91425" anchor="t" anchorCtr="0">
+            <a:noAutofit/>
+          </a:bodyPr>
+          <a:lstStyle/>
+          <a:p>
+            <a:pPr marL="0" lvl="0" indent="0" algn="l" rtl="0">
+              <a:spcBef>
+                <a:spcPts val="0"/>
+              </a:spcBef>
+              <a:spcAft>
+                <a:spcPts val="0"/>
+              </a:spcAft>
+              <a:buNone/>
+            </a:pPr>
+            <a:endParaRPr/>
+          </a:p>
+        </p:txBody>
+      </p:sp>
+    </p:spTree>
+    <p:extLst>
+      <p:ext uri="{BB962C8B-B14F-4D97-AF65-F5344CB8AC3E}">
+        <p14:creationId xmlns:p14="http://schemas.microsoft.com/office/powerpoint/2010/main" val="3303887183"/>
+      </p:ext>
+    </p:extLst>
   </p:cSld>
   <p:clrMapOvr>
     <a:masterClrMapping/>
@@ -20404,6 +20507,780 @@
 </p:sld>
 </file>
 
+<file path=ppt/slides/slide8.xml><?xml version="1.0" encoding="utf-8"?>
+<p:sld xmlns:a="http://schemas.openxmlformats.org/drawingml/2006/main" xmlns:r="http://schemas.openxmlformats.org/officeDocument/2006/relationships" xmlns:p="http://schemas.openxmlformats.org/presentationml/2006/main">
+  <p:cSld>
+    <p:spTree>
+      <p:nvGrpSpPr>
+        <p:cNvPr id="1" name="Shape 374"/>
+        <p:cNvGrpSpPr/>
+        <p:nvPr/>
+      </p:nvGrpSpPr>
+      <p:grpSpPr>
+        <a:xfrm>
+          <a:off x="0" y="0"/>
+          <a:ext cx="0" cy="0"/>
+          <a:chOff x="0" y="0"/>
+          <a:chExt cx="0" cy="0"/>
+        </a:xfrm>
+      </p:grpSpPr>
+      <p:sp>
+        <p:nvSpPr>
+          <p:cNvPr id="379" name="Google Shape;379;p43"/>
+          <p:cNvSpPr txBox="1">
+            <a:spLocks noGrp="1"/>
+          </p:cNvSpPr>
+          <p:nvPr>
+            <p:ph type="subTitle" idx="1"/>
+          </p:nvPr>
+        </p:nvSpPr>
+        <p:spPr>
+          <a:xfrm>
+            <a:off x="1142845" y="637309"/>
+            <a:ext cx="6200064" cy="4045527"/>
+          </a:xfrm>
+          <a:prstGeom prst="rect">
+            <a:avLst/>
+          </a:prstGeom>
+        </p:spPr>
+        <p:txBody>
+          <a:bodyPr spcFirstLastPara="1" wrap="square" lIns="91425" tIns="91425" rIns="91425" bIns="91425" anchor="t" anchorCtr="0">
+            <a:noAutofit/>
+          </a:bodyPr>
+          <a:lstStyle/>
+          <a:p>
+            <a:pPr marL="171450" lvl="0" indent="-171450" algn="l" rtl="0">
+              <a:spcBef>
+                <a:spcPts val="0"/>
+              </a:spcBef>
+              <a:spcAft>
+                <a:spcPts val="0"/>
+              </a:spcAft>
+              <a:buFont typeface="Arial" panose="020B0604020202020204" pitchFamily="34" charset="0"/>
+              <a:buChar char="•"/>
+            </a:pPr>
+            <a:r>
+              <a:rPr lang="en" dirty="0"/>
+              <a:t>Para </a:t>
+            </a:r>
+            <a:r>
+              <a:rPr lang="en" dirty="0" err="1"/>
+              <a:t>determin</a:t>
+            </a:r>
+            <a:r>
+              <a:rPr lang="pt-BR" dirty="0"/>
+              <a:t>a</a:t>
+            </a:r>
+            <a:r>
+              <a:rPr lang="en" dirty="0"/>
+              <a:t>r </a:t>
+            </a:r>
+            <a:r>
+              <a:rPr lang="en" dirty="0" err="1"/>
+              <a:t>uma</a:t>
+            </a:r>
+            <a:r>
+              <a:rPr lang="en" dirty="0"/>
+              <a:t> </a:t>
+            </a:r>
+            <a:r>
+              <a:rPr lang="en" dirty="0" err="1"/>
+              <a:t>propensão</a:t>
+            </a:r>
+            <a:r>
+              <a:rPr lang="en" dirty="0"/>
+              <a:t> </a:t>
+            </a:r>
+            <a:r>
+              <a:rPr lang="en" dirty="0" err="1"/>
+              <a:t>mais</a:t>
+            </a:r>
+            <a:r>
+              <a:rPr lang="en" dirty="0"/>
+              <a:t> </a:t>
+            </a:r>
+            <a:r>
+              <a:rPr lang="en" dirty="0" err="1"/>
+              <a:t>significante</a:t>
+            </a:r>
+            <a:r>
+              <a:rPr lang="en" dirty="0"/>
+              <a:t> e </a:t>
+            </a:r>
+            <a:r>
+              <a:rPr lang="en" dirty="0" err="1"/>
+              <a:t>acertiva</a:t>
+            </a:r>
+            <a:r>
+              <a:rPr lang="en" dirty="0"/>
+              <a:t>, (</a:t>
+            </a:r>
+            <a:r>
+              <a:rPr lang="en" dirty="0" err="1"/>
+              <a:t>independente</a:t>
+            </a:r>
+            <a:r>
+              <a:rPr lang="en" dirty="0"/>
+              <a:t> do </a:t>
+            </a:r>
+            <a:r>
+              <a:rPr lang="en" dirty="0" err="1"/>
+              <a:t>modelo</a:t>
+            </a:r>
+            <a:r>
+              <a:rPr lang="en" dirty="0"/>
+              <a:t>) </a:t>
+            </a:r>
+            <a:r>
+              <a:rPr lang="en" dirty="0" err="1"/>
+              <a:t>uma</a:t>
+            </a:r>
+            <a:r>
+              <a:rPr lang="en" dirty="0"/>
+              <a:t> base </a:t>
+            </a:r>
+            <a:r>
+              <a:rPr lang="en" dirty="0" err="1"/>
+              <a:t>maior</a:t>
+            </a:r>
+            <a:r>
+              <a:rPr lang="en" dirty="0"/>
+              <a:t> de </a:t>
+            </a:r>
+            <a:r>
+              <a:rPr lang="en" dirty="0" err="1"/>
+              <a:t>clientes</a:t>
+            </a:r>
+            <a:r>
+              <a:rPr lang="en" dirty="0"/>
+              <a:t> que </a:t>
+            </a:r>
+            <a:r>
+              <a:rPr lang="en" dirty="0" err="1"/>
+              <a:t>já</a:t>
+            </a:r>
+            <a:r>
+              <a:rPr lang="en" dirty="0"/>
+              <a:t> </a:t>
+            </a:r>
+            <a:r>
+              <a:rPr lang="en" dirty="0" err="1"/>
+              <a:t>aderiram</a:t>
+            </a:r>
+            <a:r>
+              <a:rPr lang="en" dirty="0"/>
+              <a:t> </a:t>
+            </a:r>
+            <a:r>
+              <a:rPr lang="en" dirty="0" err="1"/>
+              <a:t>à</a:t>
+            </a:r>
+            <a:r>
+              <a:rPr lang="en" dirty="0"/>
+              <a:t> </a:t>
+            </a:r>
+            <a:r>
+              <a:rPr lang="en" dirty="0" err="1"/>
+              <a:t>alguma</a:t>
+            </a:r>
+            <a:r>
+              <a:rPr lang="en" dirty="0"/>
+              <a:t> </a:t>
+            </a:r>
+            <a:r>
+              <a:rPr lang="en" dirty="0" err="1"/>
+              <a:t>campanha</a:t>
+            </a:r>
+            <a:r>
+              <a:rPr lang="en" dirty="0"/>
+              <a:t> </a:t>
+            </a:r>
+            <a:r>
+              <a:rPr lang="en" dirty="0" err="1"/>
+              <a:t>é</a:t>
+            </a:r>
+            <a:r>
+              <a:rPr lang="en" dirty="0"/>
+              <a:t> </a:t>
+            </a:r>
+            <a:r>
+              <a:rPr lang="en" dirty="0" err="1"/>
+              <a:t>determinante</a:t>
+            </a:r>
+            <a:r>
+              <a:rPr lang="en" dirty="0"/>
+              <a:t>.</a:t>
+            </a:r>
+          </a:p>
+          <a:p>
+            <a:pPr marL="171450" lvl="0" indent="-171450" algn="l" rtl="0">
+              <a:spcBef>
+                <a:spcPts val="0"/>
+              </a:spcBef>
+              <a:spcAft>
+                <a:spcPts val="0"/>
+              </a:spcAft>
+              <a:buFont typeface="Arial" panose="020B0604020202020204" pitchFamily="34" charset="0"/>
+              <a:buChar char="•"/>
+            </a:pPr>
+            <a:endParaRPr lang="en" dirty="0"/>
+          </a:p>
+          <a:p>
+            <a:pPr marL="171450" lvl="0" indent="-171450" algn="l" rtl="0">
+              <a:spcBef>
+                <a:spcPts val="0"/>
+              </a:spcBef>
+              <a:spcAft>
+                <a:spcPts val="0"/>
+              </a:spcAft>
+              <a:buFont typeface="Arial" panose="020B0604020202020204" pitchFamily="34" charset="0"/>
+              <a:buChar char="•"/>
+            </a:pPr>
+            <a:r>
+              <a:rPr lang="en" dirty="0"/>
+              <a:t>O </a:t>
+            </a:r>
+            <a:r>
+              <a:rPr lang="en" dirty="0" err="1"/>
+              <a:t>modelo</a:t>
+            </a:r>
+            <a:r>
+              <a:rPr lang="en" dirty="0"/>
+              <a:t> </a:t>
+            </a:r>
+            <a:r>
+              <a:rPr lang="en" dirty="0" err="1"/>
+              <a:t>apresentou</a:t>
+            </a:r>
+            <a:r>
+              <a:rPr lang="en" dirty="0"/>
+              <a:t> </a:t>
+            </a:r>
+            <a:r>
+              <a:rPr lang="en" dirty="0" err="1"/>
+              <a:t>resultados</a:t>
+            </a:r>
+            <a:r>
+              <a:rPr lang="en" dirty="0"/>
+              <a:t> </a:t>
+            </a:r>
+            <a:r>
+              <a:rPr lang="en" dirty="0" err="1"/>
+              <a:t>mais</a:t>
+            </a:r>
+            <a:r>
+              <a:rPr lang="en" dirty="0"/>
+              <a:t> </a:t>
+            </a:r>
+            <a:r>
+              <a:rPr lang="en" dirty="0" err="1"/>
+              <a:t>satisfatórios</a:t>
+            </a:r>
+            <a:r>
+              <a:rPr lang="en" dirty="0"/>
+              <a:t> para clients </a:t>
+            </a:r>
+            <a:r>
+              <a:rPr lang="en" dirty="0" err="1"/>
+              <a:t>não</a:t>
+            </a:r>
+            <a:r>
+              <a:rPr lang="en" dirty="0"/>
+              <a:t> </a:t>
+            </a:r>
+            <a:r>
+              <a:rPr lang="en" dirty="0" err="1"/>
+              <a:t>propensos</a:t>
+            </a:r>
+            <a:r>
+              <a:rPr lang="en" dirty="0"/>
+              <a:t> </a:t>
+            </a:r>
+            <a:r>
+              <a:rPr lang="en" dirty="0" err="1"/>
+              <a:t>à</a:t>
+            </a:r>
+            <a:r>
+              <a:rPr lang="en" dirty="0"/>
+              <a:t> </a:t>
+            </a:r>
+            <a:r>
+              <a:rPr lang="en" dirty="0" err="1"/>
+              <a:t>aderir</a:t>
+            </a:r>
+            <a:r>
+              <a:rPr lang="en" dirty="0"/>
+              <a:t> a </a:t>
+            </a:r>
+            <a:r>
+              <a:rPr lang="en" dirty="0" err="1"/>
+              <a:t>próxima</a:t>
+            </a:r>
+            <a:r>
+              <a:rPr lang="en" dirty="0"/>
+              <a:t> </a:t>
+            </a:r>
+            <a:r>
+              <a:rPr lang="en" dirty="0" err="1"/>
+              <a:t>campanha</a:t>
+            </a:r>
+            <a:r>
+              <a:rPr lang="en" dirty="0"/>
+              <a:t>, </a:t>
+            </a:r>
+            <a:r>
+              <a:rPr lang="en" dirty="0" err="1"/>
+              <a:t>gerando</a:t>
+            </a:r>
+            <a:r>
+              <a:rPr lang="en" dirty="0"/>
+              <a:t> </a:t>
+            </a:r>
+            <a:r>
+              <a:rPr lang="en" dirty="0" err="1"/>
+              <a:t>uma</a:t>
+            </a:r>
+            <a:r>
+              <a:rPr lang="en" dirty="0"/>
+              <a:t> base </a:t>
+            </a:r>
+            <a:r>
+              <a:rPr lang="en" dirty="0" err="1"/>
+              <a:t>por</a:t>
+            </a:r>
+            <a:r>
+              <a:rPr lang="en" dirty="0"/>
+              <a:t> </a:t>
+            </a:r>
+            <a:r>
+              <a:rPr lang="en" dirty="0" err="1"/>
+              <a:t>eliminação</a:t>
+            </a:r>
+            <a:r>
+              <a:rPr lang="en" dirty="0"/>
+              <a:t>.</a:t>
+            </a:r>
+          </a:p>
+          <a:p>
+            <a:pPr marL="171450" lvl="0" indent="-171450" algn="l" rtl="0">
+              <a:spcBef>
+                <a:spcPts val="0"/>
+              </a:spcBef>
+              <a:spcAft>
+                <a:spcPts val="0"/>
+              </a:spcAft>
+              <a:buFont typeface="Arial" panose="020B0604020202020204" pitchFamily="34" charset="0"/>
+              <a:buChar char="•"/>
+            </a:pPr>
+            <a:endParaRPr lang="en" dirty="0"/>
+          </a:p>
+          <a:p>
+            <a:pPr marL="171450" lvl="0" indent="-171450" algn="l" rtl="0">
+              <a:spcBef>
+                <a:spcPts val="0"/>
+              </a:spcBef>
+              <a:spcAft>
+                <a:spcPts val="0"/>
+              </a:spcAft>
+              <a:buFont typeface="Arial" panose="020B0604020202020204" pitchFamily="34" charset="0"/>
+              <a:buChar char="•"/>
+            </a:pPr>
+            <a:r>
+              <a:rPr lang="en" dirty="0" err="1"/>
+              <a:t>Variáveis</a:t>
+            </a:r>
+            <a:r>
+              <a:rPr lang="en" dirty="0"/>
+              <a:t> </a:t>
+            </a:r>
+            <a:r>
+              <a:rPr lang="en" dirty="0" err="1"/>
+              <a:t>como</a:t>
+            </a:r>
+            <a:r>
+              <a:rPr lang="en" dirty="0"/>
+              <a:t> </a:t>
+            </a:r>
+            <a:r>
+              <a:rPr lang="en" dirty="0" err="1"/>
+              <a:t>Ano</a:t>
+            </a:r>
+            <a:r>
+              <a:rPr lang="en" dirty="0"/>
+              <a:t> de Nascimento e Renda </a:t>
+            </a:r>
+            <a:r>
+              <a:rPr lang="en" dirty="0" err="1"/>
+              <a:t>apresentaram</a:t>
+            </a:r>
+            <a:r>
+              <a:rPr lang="en" dirty="0"/>
+              <a:t> </a:t>
+            </a:r>
+            <a:r>
+              <a:rPr lang="en" dirty="0" err="1"/>
+              <a:t>disparidade</a:t>
+            </a:r>
+            <a:r>
+              <a:rPr lang="en" dirty="0"/>
+              <a:t> entre valor </a:t>
+            </a:r>
+            <a:r>
+              <a:rPr lang="en" dirty="0" err="1"/>
+              <a:t>mínimo</a:t>
+            </a:r>
+            <a:r>
+              <a:rPr lang="en" dirty="0"/>
+              <a:t> e </a:t>
+            </a:r>
+            <a:r>
+              <a:rPr lang="en" dirty="0" err="1"/>
+              <a:t>máximo</a:t>
+            </a:r>
+            <a:r>
+              <a:rPr lang="en" dirty="0"/>
+              <a:t>, e </a:t>
+            </a:r>
+            <a:r>
+              <a:rPr lang="en" dirty="0" err="1"/>
+              <a:t>valores</a:t>
+            </a:r>
+            <a:r>
+              <a:rPr lang="en" dirty="0"/>
+              <a:t> </a:t>
+            </a:r>
+            <a:r>
+              <a:rPr lang="en" dirty="0" err="1"/>
+              <a:t>ausentes</a:t>
+            </a:r>
+            <a:r>
+              <a:rPr lang="en" dirty="0"/>
+              <a:t> (</a:t>
+            </a:r>
+            <a:r>
+              <a:rPr lang="en" dirty="0" err="1"/>
+              <a:t>Ano</a:t>
+            </a:r>
+            <a:r>
+              <a:rPr lang="en" dirty="0"/>
+              <a:t> de Nascimento).</a:t>
+            </a:r>
+          </a:p>
+          <a:p>
+            <a:pPr marL="171450" lvl="0" indent="-171450" algn="l" rtl="0">
+              <a:spcBef>
+                <a:spcPts val="0"/>
+              </a:spcBef>
+              <a:spcAft>
+                <a:spcPts val="0"/>
+              </a:spcAft>
+              <a:buFont typeface="Arial" panose="020B0604020202020204" pitchFamily="34" charset="0"/>
+              <a:buChar char="•"/>
+            </a:pPr>
+            <a:endParaRPr lang="en" dirty="0"/>
+          </a:p>
+          <a:p>
+            <a:pPr marL="171450" lvl="0" indent="-171450" algn="l" rtl="0">
+              <a:spcBef>
+                <a:spcPts val="0"/>
+              </a:spcBef>
+              <a:spcAft>
+                <a:spcPts val="0"/>
+              </a:spcAft>
+              <a:buFont typeface="Arial" panose="020B0604020202020204" pitchFamily="34" charset="0"/>
+              <a:buChar char="•"/>
+            </a:pPr>
+            <a:r>
+              <a:rPr lang="en" dirty="0"/>
+              <a:t>Para </a:t>
+            </a:r>
+            <a:r>
+              <a:rPr lang="en" dirty="0" err="1"/>
+              <a:t>os</a:t>
+            </a:r>
+            <a:r>
+              <a:rPr lang="en" dirty="0"/>
+              <a:t> </a:t>
+            </a:r>
+            <a:r>
+              <a:rPr lang="en" dirty="0" err="1"/>
+              <a:t>clientes</a:t>
+            </a:r>
+            <a:r>
+              <a:rPr lang="en" dirty="0"/>
+              <a:t> que </a:t>
+            </a:r>
+            <a:r>
+              <a:rPr lang="en" dirty="0" err="1"/>
+              <a:t>aderiram</a:t>
+            </a:r>
+            <a:r>
+              <a:rPr lang="en" dirty="0"/>
+              <a:t> a </a:t>
+            </a:r>
+            <a:r>
+              <a:rPr lang="en" dirty="0" err="1"/>
+              <a:t>alguma</a:t>
+            </a:r>
+            <a:r>
+              <a:rPr lang="en" dirty="0"/>
+              <a:t> </a:t>
+            </a:r>
+            <a:r>
+              <a:rPr lang="en" dirty="0" err="1"/>
+              <a:t>campanha</a:t>
+            </a:r>
+            <a:r>
+              <a:rPr lang="en" dirty="0"/>
+              <a:t>, a m</a:t>
+            </a:r>
+            <a:r>
+              <a:rPr lang="pt-BR" dirty="0" err="1"/>
+              <a:t>édia</a:t>
+            </a:r>
+            <a:r>
+              <a:rPr lang="pt-BR" dirty="0"/>
+              <a:t> de alguma criança/adolescente em casa ficou abaixo de 1 e foram desconsideradas.</a:t>
+            </a:r>
+          </a:p>
+          <a:p>
+            <a:pPr marL="171450" lvl="0" indent="-171450" algn="l" rtl="0">
+              <a:spcBef>
+                <a:spcPts val="0"/>
+              </a:spcBef>
+              <a:spcAft>
+                <a:spcPts val="0"/>
+              </a:spcAft>
+              <a:buFont typeface="Arial" panose="020B0604020202020204" pitchFamily="34" charset="0"/>
+              <a:buChar char="•"/>
+            </a:pPr>
+            <a:endParaRPr lang="pt-BR" dirty="0"/>
+          </a:p>
+          <a:p>
+            <a:pPr marL="171450" lvl="0" indent="-171450" algn="l" rtl="0">
+              <a:spcBef>
+                <a:spcPts val="0"/>
+              </a:spcBef>
+              <a:spcAft>
+                <a:spcPts val="0"/>
+              </a:spcAft>
+              <a:buFont typeface="Arial" panose="020B0604020202020204" pitchFamily="34" charset="0"/>
+              <a:buChar char="•"/>
+            </a:pPr>
+            <a:r>
+              <a:rPr lang="pt-BR" dirty="0"/>
+              <a:t>A variável Data de Cadastro e Resposta de intenção à aderir a alguma campanha foram desconsideradas.</a:t>
+            </a:r>
+          </a:p>
+          <a:p>
+            <a:pPr marL="171450" lvl="0" indent="-171450" algn="l" rtl="0">
+              <a:spcBef>
+                <a:spcPts val="0"/>
+              </a:spcBef>
+              <a:spcAft>
+                <a:spcPts val="0"/>
+              </a:spcAft>
+              <a:buFont typeface="Arial" panose="020B0604020202020204" pitchFamily="34" charset="0"/>
+              <a:buChar char="•"/>
+            </a:pPr>
+            <a:endParaRPr lang="pt-BR" dirty="0"/>
+          </a:p>
+          <a:p>
+            <a:pPr marL="171450" lvl="0" indent="-171450" algn="l" rtl="0">
+              <a:spcBef>
+                <a:spcPts val="0"/>
+              </a:spcBef>
+              <a:spcAft>
+                <a:spcPts val="0"/>
+              </a:spcAft>
+              <a:buFont typeface="Arial" panose="020B0604020202020204" pitchFamily="34" charset="0"/>
+              <a:buChar char="•"/>
+            </a:pPr>
+            <a:r>
+              <a:rPr lang="pt-BR" dirty="0"/>
+              <a:t>Parti da ideia de que mais assertivo o indicativo de já ter aderido à alguma campanha, do que somente </a:t>
+            </a:r>
+            <a:r>
+              <a:rPr lang="pt-BR"/>
+              <a:t>a intenção de aderir.</a:t>
+            </a:r>
+            <a:endParaRPr lang="pt-BR" dirty="0"/>
+          </a:p>
+          <a:p>
+            <a:pPr marL="171450" lvl="0" indent="-171450" algn="l" rtl="0">
+              <a:spcBef>
+                <a:spcPts val="0"/>
+              </a:spcBef>
+              <a:spcAft>
+                <a:spcPts val="0"/>
+              </a:spcAft>
+              <a:buFont typeface="Arial" panose="020B0604020202020204" pitchFamily="34" charset="0"/>
+              <a:buChar char="•"/>
+            </a:pPr>
+            <a:endParaRPr lang="pt-BR" dirty="0"/>
+          </a:p>
+          <a:p>
+            <a:pPr marL="171450" lvl="0" indent="-171450" algn="l" rtl="0">
+              <a:spcBef>
+                <a:spcPts val="0"/>
+              </a:spcBef>
+              <a:spcAft>
+                <a:spcPts val="0"/>
+              </a:spcAft>
+              <a:buFont typeface="Arial" panose="020B0604020202020204" pitchFamily="34" charset="0"/>
+              <a:buChar char="•"/>
+            </a:pPr>
+            <a:endParaRPr lang="pt-BR" dirty="0"/>
+          </a:p>
+          <a:p>
+            <a:pPr marL="171450" lvl="0" indent="-171450" algn="l" rtl="0">
+              <a:spcBef>
+                <a:spcPts val="0"/>
+              </a:spcBef>
+              <a:spcAft>
+                <a:spcPts val="0"/>
+              </a:spcAft>
+              <a:buFont typeface="Arial" panose="020B0604020202020204" pitchFamily="34" charset="0"/>
+              <a:buChar char="•"/>
+            </a:pPr>
+            <a:endParaRPr lang="pt-BR" dirty="0"/>
+          </a:p>
+          <a:p>
+            <a:pPr marL="171450" lvl="0" indent="-171450" algn="l" rtl="0">
+              <a:spcBef>
+                <a:spcPts val="0"/>
+              </a:spcBef>
+              <a:spcAft>
+                <a:spcPts val="0"/>
+              </a:spcAft>
+              <a:buFont typeface="Arial" panose="020B0604020202020204" pitchFamily="34" charset="0"/>
+              <a:buChar char="•"/>
+            </a:pPr>
+            <a:endParaRPr dirty="0"/>
+          </a:p>
+        </p:txBody>
+      </p:sp>
+      <p:sp>
+        <p:nvSpPr>
+          <p:cNvPr id="402" name="Google Shape;402;p43"/>
+          <p:cNvSpPr/>
+          <p:nvPr/>
+        </p:nvSpPr>
+        <p:spPr>
+          <a:xfrm>
+            <a:off x="8430775" y="-125"/>
+            <a:ext cx="713100" cy="5143500"/>
+          </a:xfrm>
+          <a:prstGeom prst="rect">
+            <a:avLst/>
+          </a:prstGeom>
+          <a:solidFill>
+            <a:schemeClr val="dk2"/>
+          </a:solidFill>
+          <a:ln>
+            <a:noFill/>
+          </a:ln>
+        </p:spPr>
+        <p:txBody>
+          <a:bodyPr spcFirstLastPara="1" wrap="square" lIns="91425" tIns="91425" rIns="91425" bIns="91425" anchor="ctr" anchorCtr="0">
+            <a:noAutofit/>
+          </a:bodyPr>
+          <a:lstStyle/>
+          <a:p>
+            <a:pPr marL="0" lvl="0" indent="0" algn="l" rtl="0">
+              <a:spcBef>
+                <a:spcPts val="0"/>
+              </a:spcBef>
+              <a:spcAft>
+                <a:spcPts val="0"/>
+              </a:spcAft>
+              <a:buNone/>
+            </a:pPr>
+            <a:endParaRPr/>
+          </a:p>
+        </p:txBody>
+      </p:sp>
+      <p:pic>
+        <p:nvPicPr>
+          <p:cNvPr id="18" name="Imagem 17" descr="Logotipo&#10;&#10;Descrição gerada automaticamente">
+            <a:extLst>
+              <a:ext uri="{FF2B5EF4-FFF2-40B4-BE49-F238E27FC236}">
+                <a16:creationId xmlns:a16="http://schemas.microsoft.com/office/drawing/2014/main" id="{3530D6F1-0C48-0F73-FD34-A05581279139}"/>
+              </a:ext>
+            </a:extLst>
+          </p:cNvPr>
+          <p:cNvPicPr>
+            <a:picLocks noChangeAspect="1"/>
+          </p:cNvPicPr>
+          <p:nvPr/>
+        </p:nvPicPr>
+        <p:blipFill>
+          <a:blip r:embed="rId3">
+            <a:alphaModFix amt="35000"/>
+          </a:blip>
+          <a:stretch>
+            <a:fillRect/>
+          </a:stretch>
+        </p:blipFill>
+        <p:spPr>
+          <a:xfrm>
+            <a:off x="7738462" y="4548582"/>
+            <a:ext cx="685538" cy="685538"/>
+          </a:xfrm>
+          <a:prstGeom prst="rect">
+            <a:avLst/>
+          </a:prstGeom>
+        </p:spPr>
+      </p:pic>
+      <p:sp>
+        <p:nvSpPr>
+          <p:cNvPr id="3" name="CaixaDeTexto 2">
+            <a:extLst>
+              <a:ext uri="{FF2B5EF4-FFF2-40B4-BE49-F238E27FC236}">
+                <a16:creationId xmlns:a16="http://schemas.microsoft.com/office/drawing/2014/main" id="{55846DB3-69F4-8C55-F069-DE10F1A4B915}"/>
+              </a:ext>
+            </a:extLst>
+          </p:cNvPr>
+          <p:cNvSpPr txBox="1"/>
+          <p:nvPr/>
+        </p:nvSpPr>
+        <p:spPr>
+          <a:xfrm>
+            <a:off x="704461" y="233331"/>
+            <a:ext cx="4581330" cy="307777"/>
+          </a:xfrm>
+          <a:prstGeom prst="rect">
+            <a:avLst/>
+          </a:prstGeom>
+          <a:noFill/>
+        </p:spPr>
+        <p:txBody>
+          <a:bodyPr wrap="square">
+            <a:spAutoFit/>
+          </a:bodyPr>
+          <a:lstStyle/>
+          <a:p>
+            <a:r>
+              <a:rPr lang="en" sz="1400" dirty="0"/>
+              <a:t>APONTAMENTOS/INSGHTS</a:t>
+            </a:r>
+            <a:endParaRPr lang="pt-BR" dirty="0"/>
+          </a:p>
+        </p:txBody>
+      </p:sp>
+    </p:spTree>
+    <p:extLst>
+      <p:ext uri="{BB962C8B-B14F-4D97-AF65-F5344CB8AC3E}">
+        <p14:creationId xmlns:p14="http://schemas.microsoft.com/office/powerpoint/2010/main" val="1643002825"/>
+      </p:ext>
+    </p:extLst>
+  </p:cSld>
+  <p:clrMapOvr>
+    <a:masterClrMapping/>
+  </p:clrMapOvr>
+</p:sld>
+</file>
+
 <file path=ppt/theme/theme1.xml><?xml version="1.0" encoding="utf-8"?>
 <a:theme xmlns:a="http://schemas.openxmlformats.org/drawingml/2006/main" name="Data Analysis for Marketing Strategies by Slidesgo">
   <a:themeElements>
